--- a/public/default.pptx
+++ b/public/default.pptx
@@ -5,15 +5,16 @@
     <p:sldMasterId id="2147483648" r:id="rId1"/>
   </p:sldMasterIdLst>
   <p:notesMasterIdLst>
-    <p:notesMasterId r:id="rId8"/>
+    <p:notesMasterId r:id="rId9"/>
   </p:notesMasterIdLst>
   <p:sldIdLst>
     <p:sldId id="256" r:id="rId2"/>
-    <p:sldId id="257" r:id="rId3"/>
-    <p:sldId id="258" r:id="rId4"/>
-    <p:sldId id="259" r:id="rId5"/>
-    <p:sldId id="260" r:id="rId6"/>
-    <p:sldId id="261" r:id="rId7"/>
+    <p:sldId id="259" r:id="rId3"/>
+    <p:sldId id="260" r:id="rId4"/>
+    <p:sldId id="261" r:id="rId5"/>
+    <p:sldId id="262" r:id="rId6"/>
+    <p:sldId id="263" r:id="rId7"/>
+    <p:sldId id="264" r:id="rId8"/>
   </p:sldIdLst>
   <p:sldSz cx="24384000" cy="13716000"/>
   <p:notesSz cx="6858000" cy="9144000"/>
@@ -2177,7 +2178,7 @@
           </a:ln>
           <a:extLst>
             <a:ext uri="{C572A759-6A51-4108-AA02-DFA0A04FC94B}">
-              <ma14:wrappingTextBoxFlag xmlns:ma14="http://schemas.microsoft.com/office/mac/drawingml/2011/main" xmlns="" val="1"/>
+              <ma14:wrappingTextBoxFlag xmlns="" xmlns:ma14="http://schemas.microsoft.com/office/mac/drawingml/2011/main" val="1"/>
             </a:ext>
           </a:extLst>
         </p:spPr>
@@ -2216,7 +2217,7 @@
           </a:ln>
           <a:extLst>
             <a:ext uri="{C572A759-6A51-4108-AA02-DFA0A04FC94B}">
-              <ma14:wrappingTextBoxFlag xmlns:ma14="http://schemas.microsoft.com/office/mac/drawingml/2011/main" xmlns="" val="1"/>
+              <ma14:wrappingTextBoxFlag xmlns="" xmlns:ma14="http://schemas.microsoft.com/office/mac/drawingml/2011/main" val="1"/>
             </a:ext>
           </a:extLst>
         </p:spPr>
@@ -3137,7 +3138,7 @@
         </p:nvSpPr>
         <p:spPr>
           <a:xfrm>
-            <a:off x="0" y="-76200"/>
+            <a:off x="-449" y="10230"/>
             <a:ext cx="24384000" cy="7484170"/>
           </a:xfrm>
           <a:prstGeom prst="rect">
@@ -3179,8 +3180,8 @@
         </p:nvSpPr>
         <p:spPr>
           <a:xfrm>
-            <a:off x="8465459" y="2609835"/>
-            <a:ext cx="7226338" cy="1087477"/>
+            <a:off x="8484509" y="2918474"/>
+            <a:ext cx="7423507" cy="1087477"/>
           </a:xfrm>
           <a:prstGeom prst="rect">
             <a:avLst/>
@@ -3190,7 +3191,7 @@
           </a:ln>
           <a:extLst>
             <a:ext uri="{C572A759-6A51-4108-AA02-DFA0A04FC94B}">
-              <ma14:wrappingTextBoxFlag xmlns:ma14="http://schemas.microsoft.com/office/mac/drawingml/2011/main" xmlns="" val="1"/>
+              <ma14:wrappingTextBoxFlag xmlns="" xmlns:ma14="http://schemas.microsoft.com/office/mac/drawingml/2011/main" val="1"/>
             </a:ext>
           </a:extLst>
         </p:spPr>
@@ -3213,13 +3214,13 @@
           </a:lstStyle>
           <a:p>
             <a:r>
-              <a:rPr lang="fa-IR" dirty="0">
+              <a:rPr lang="fa-IR" b="1" dirty="0">
                 <a:latin typeface="Dana-FaNum" panose="00000500000000000000" pitchFamily="2" charset="-78"/>
                 <a:cs typeface="Dana-FaNum" panose="00000500000000000000" pitchFamily="2" charset="-78"/>
               </a:rPr>
               <a:t>به لینکپ خوش آمدید</a:t>
             </a:r>
-            <a:endParaRPr dirty="0">
+            <a:endParaRPr b="1" dirty="0">
               <a:latin typeface="Dana-FaNum" panose="00000500000000000000" pitchFamily="2" charset="-78"/>
               <a:cs typeface="Dana-FaNum" panose="00000500000000000000" pitchFamily="2" charset="-78"/>
             </a:endParaRPr>
@@ -3234,7 +3235,7 @@
         </p:nvSpPr>
         <p:spPr>
           <a:xfrm>
-            <a:off x="11417300" y="4660900"/>
+            <a:off x="11661229" y="5102338"/>
             <a:ext cx="1549401" cy="0"/>
           </a:xfrm>
           <a:prstGeom prst="line">
@@ -3274,8 +3275,8 @@
         </p:nvSpPr>
         <p:spPr>
           <a:xfrm>
-            <a:off x="5599375" y="4055808"/>
-            <a:ext cx="12780743" cy="564257"/>
+            <a:off x="6013577" y="4308064"/>
+            <a:ext cx="12355948" cy="564257"/>
           </a:xfrm>
           <a:prstGeom prst="rect">
             <a:avLst/>
@@ -3285,7 +3286,7 @@
           </a:ln>
           <a:extLst>
             <a:ext uri="{C572A759-6A51-4108-AA02-DFA0A04FC94B}">
-              <ma14:wrappingTextBoxFlag xmlns:ma14="http://schemas.microsoft.com/office/mac/drawingml/2011/main" xmlns="" val="1"/>
+              <ma14:wrappingTextBoxFlag xmlns="" xmlns:ma14="http://schemas.microsoft.com/office/mac/drawingml/2011/main" val="1"/>
             </a:ext>
           </a:extLst>
         </p:spPr>
@@ -3307,12 +3308,13 @@
             </a:lvl1pPr>
           </a:lstStyle>
           <a:p>
+            <a:pPr rtl="1"/>
             <a:r>
               <a:rPr lang="fa-IR" dirty="0">
                 <a:latin typeface="Dana-FaNum" panose="00000500000000000000" pitchFamily="2" charset="-78"/>
                 <a:cs typeface="Dana-FaNum" panose="00000500000000000000" pitchFamily="2" charset="-78"/>
               </a:rPr>
-              <a:t>لینکپ یک سیستم کنفرانس تحت وب است که برای یادگیری آنلاین طراحی شده است</a:t>
+              <a:t>لینکپ یک سیستم ویدئو کنفرانس حرفه‌ای و سامانه مدیریت یادگیری آنلاین است</a:t>
             </a:r>
             <a:endParaRPr dirty="0">
               <a:latin typeface="Dana-FaNum" panose="00000500000000000000" pitchFamily="2" charset="-78"/>
@@ -3350,7 +3352,7 @@
           </a:effectLst>
           <a:extLst>
             <a:ext uri="{C572A759-6A51-4108-AA02-DFA0A04FC94B}">
-              <ma14:wrappingTextBoxFlag xmlns:ma14="http://schemas.microsoft.com/office/mac/drawingml/2011/main" xmlns="" val="1"/>
+              <ma14:wrappingTextBoxFlag xmlns="" xmlns:ma14="http://schemas.microsoft.com/office/mac/drawingml/2011/main" val="1"/>
             </a:ext>
           </a:extLst>
         </p:spPr>
@@ -3396,7 +3398,7 @@
           </a:ln>
           <a:extLst>
             <a:ext uri="{C572A759-6A51-4108-AA02-DFA0A04FC94B}">
-              <ma14:wrappingTextBoxFlag xmlns:ma14="http://schemas.microsoft.com/office/mac/drawingml/2011/main" xmlns="" val="1"/>
+              <ma14:wrappingTextBoxFlag xmlns="" xmlns:ma14="http://schemas.microsoft.com/office/mac/drawingml/2011/main" val="1"/>
             </a:ext>
           </a:extLst>
         </p:spPr>
@@ -3452,7 +3454,7 @@
           </a:ln>
           <a:extLst>
             <a:ext uri="{C572A759-6A51-4108-AA02-DFA0A04FC94B}">
-              <ma14:wrappingTextBoxFlag xmlns:ma14="http://schemas.microsoft.com/office/mac/drawingml/2011/main" xmlns="" val="1"/>
+              <ma14:wrappingTextBoxFlag xmlns="" xmlns:ma14="http://schemas.microsoft.com/office/mac/drawingml/2011/main" val="1"/>
             </a:ext>
           </a:extLst>
         </p:spPr>
@@ -3481,7 +3483,7 @@
                 <a:latin typeface="Dana-FaNum" panose="00000500000000000000" pitchFamily="2" charset="-78"/>
                 <a:cs typeface="Dana-FaNum" panose="00000500000000000000" pitchFamily="2" charset="-78"/>
               </a:rPr>
-              <a:t>ارسال پیام های عمومی و خصوصی.</a:t>
+              <a:t>ارسال پیام های به کاربران به ضورت عمومی و خصوصی</a:t>
             </a:r>
           </a:p>
         </p:txBody>
@@ -3545,7 +3547,7 @@
           </a:ln>
           <a:extLst>
             <a:ext uri="{C572A759-6A51-4108-AA02-DFA0A04FC94B}">
-              <ma14:wrappingTextBoxFlag xmlns:ma14="http://schemas.microsoft.com/office/mac/drawingml/2011/main" xmlns="" val="1"/>
+              <ma14:wrappingTextBoxFlag xmlns="" xmlns:ma14="http://schemas.microsoft.com/office/mac/drawingml/2011/main" val="1"/>
             </a:ext>
           </a:extLst>
         </p:spPr>
@@ -3573,7 +3575,7 @@
                 <a:latin typeface="Dana-FaNum" panose="00000500000000000000" pitchFamily="2" charset="-78"/>
                 <a:cs typeface="Dana-FaNum" panose="00000500000000000000" pitchFamily="2" charset="-78"/>
               </a:rPr>
-              <a:t>تصویر</a:t>
+              <a:t>وب‌کم</a:t>
             </a:r>
             <a:endParaRPr dirty="0">
               <a:latin typeface="Dana-FaNum" panose="00000500000000000000" pitchFamily="2" charset="-78"/>
@@ -3601,7 +3603,7 @@
           </a:ln>
           <a:extLst>
             <a:ext uri="{C572A759-6A51-4108-AA02-DFA0A04FC94B}">
-              <ma14:wrappingTextBoxFlag xmlns:ma14="http://schemas.microsoft.com/office/mac/drawingml/2011/main" xmlns="" val="1"/>
+              <ma14:wrappingTextBoxFlag xmlns="" xmlns:ma14="http://schemas.microsoft.com/office/mac/drawingml/2011/main" val="1"/>
             </a:ext>
           </a:extLst>
         </p:spPr>
@@ -3630,7 +3632,7 @@
                 <a:latin typeface="Dana-FaNum" panose="00000500000000000000" pitchFamily="2" charset="-78"/>
                 <a:cs typeface="Dana-FaNum" panose="00000500000000000000" pitchFamily="2" charset="-78"/>
               </a:rPr>
-              <a:t>جلسات تصویری برگزار کنید.</a:t>
+              <a:t>امکان برگزاری جلسات تصویری</a:t>
             </a:r>
           </a:p>
         </p:txBody>
@@ -3694,7 +3696,7 @@
           </a:ln>
           <a:extLst>
             <a:ext uri="{C572A759-6A51-4108-AA02-DFA0A04FC94B}">
-              <ma14:wrappingTextBoxFlag xmlns:ma14="http://schemas.microsoft.com/office/mac/drawingml/2011/main" xmlns="" val="1"/>
+              <ma14:wrappingTextBoxFlag xmlns="" xmlns:ma14="http://schemas.microsoft.com/office/mac/drawingml/2011/main" val="1"/>
             </a:ext>
           </a:extLst>
         </p:spPr>
@@ -3750,7 +3752,7 @@
           </a:ln>
           <a:extLst>
             <a:ext uri="{C572A759-6A51-4108-AA02-DFA0A04FC94B}">
-              <ma14:wrappingTextBoxFlag xmlns:ma14="http://schemas.microsoft.com/office/mac/drawingml/2011/main" xmlns="" val="1"/>
+              <ma14:wrappingTextBoxFlag xmlns="" xmlns:ma14="http://schemas.microsoft.com/office/mac/drawingml/2011/main" val="1"/>
             </a:ext>
           </a:extLst>
         </p:spPr>
@@ -3779,7 +3781,7 @@
                 <a:latin typeface="Dana-FaNum" panose="00000500000000000000" pitchFamily="2" charset="-78"/>
                 <a:cs typeface="Dana-FaNum" panose="00000500000000000000" pitchFamily="2" charset="-78"/>
               </a:rPr>
-              <a:t>با استفاده از صوتی با کیفیت بالا ارتباط برقرار کنید.</a:t>
+              <a:t>ارتباطات با کیفیت صوت بسیار بالا</a:t>
             </a:r>
           </a:p>
         </p:txBody>
@@ -3843,7 +3845,7 @@
           </a:ln>
           <a:extLst>
             <a:ext uri="{C572A759-6A51-4108-AA02-DFA0A04FC94B}">
-              <ma14:wrappingTextBoxFlag xmlns:ma14="http://schemas.microsoft.com/office/mac/drawingml/2011/main" xmlns="" val="1"/>
+              <ma14:wrappingTextBoxFlag xmlns="" xmlns:ma14="http://schemas.microsoft.com/office/mac/drawingml/2011/main" val="1"/>
             </a:ext>
           </a:extLst>
         </p:spPr>
@@ -3871,7 +3873,7 @@
                 <a:latin typeface="Dana-FaNum" panose="00000500000000000000" pitchFamily="2" charset="-78"/>
                 <a:cs typeface="Dana-FaNum" panose="00000500000000000000" pitchFamily="2" charset="-78"/>
               </a:rPr>
-              <a:t>صورتک</a:t>
+              <a:t>ایموجی</a:t>
             </a:r>
             <a:endParaRPr dirty="0">
               <a:latin typeface="Dana-FaNum" panose="00000500000000000000" pitchFamily="2" charset="-78"/>
@@ -3899,7 +3901,7 @@
           </a:ln>
           <a:extLst>
             <a:ext uri="{C572A759-6A51-4108-AA02-DFA0A04FC94B}">
-              <ma14:wrappingTextBoxFlag xmlns:ma14="http://schemas.microsoft.com/office/mac/drawingml/2011/main" xmlns="" val="1"/>
+              <ma14:wrappingTextBoxFlag xmlns="" xmlns:ma14="http://schemas.microsoft.com/office/mac/drawingml/2011/main" val="1"/>
             </a:ext>
           </a:extLst>
         </p:spPr>
@@ -3928,7 +3930,7 @@
                 <a:latin typeface="Dana-FaNum" panose="00000500000000000000" pitchFamily="2" charset="-78"/>
                 <a:cs typeface="Dana-FaNum" panose="00000500000000000000" pitchFamily="2" charset="-78"/>
               </a:rPr>
-              <a:t>بیان حالت</a:t>
+              <a:t>بیان حالت و احساسات با صورتک‌های مختلف</a:t>
             </a:r>
             <a:endParaRPr dirty="0">
               <a:latin typeface="Dana-FaNum" panose="00000500000000000000" pitchFamily="2" charset="-78"/>
@@ -3985,8 +3987,8 @@
         </p:nvSpPr>
         <p:spPr>
           <a:xfrm>
-            <a:off x="1031810" y="9007060"/>
-            <a:ext cx="4117877" cy="304801"/>
+            <a:off x="1889060" y="9007060"/>
+            <a:ext cx="3260627" cy="304801"/>
           </a:xfrm>
           <a:prstGeom prst="rect">
             <a:avLst/>
@@ -3996,12 +3998,12 @@
           </a:ln>
           <a:extLst>
             <a:ext uri="{C572A759-6A51-4108-AA02-DFA0A04FC94B}">
-              <ma14:wrappingTextBoxFlag xmlns:ma14="http://schemas.microsoft.com/office/mac/drawingml/2011/main" xmlns="" val="1"/>
+              <ma14:wrappingTextBoxFlag xmlns="" xmlns:ma14="http://schemas.microsoft.com/office/mac/drawingml/2011/main" val="1"/>
             </a:ext>
           </a:extLst>
         </p:spPr>
         <p:txBody>
-          <a:bodyPr lIns="0" tIns="0" rIns="0" bIns="0">
+          <a:bodyPr wrap="square" lIns="0" tIns="0" rIns="0" bIns="0">
             <a:spAutoFit/>
           </a:bodyPr>
           <a:lstStyle>
@@ -4024,15 +4026,12 @@
                 <a:latin typeface="Dana-FaNum" panose="00000500000000000000" pitchFamily="2" charset="-78"/>
                 <a:cs typeface="Dana-FaNum" panose="00000500000000000000" pitchFamily="2" charset="-78"/>
               </a:rPr>
-              <a:t>اتاق های </a:t>
-            </a:r>
-            <a:r>
-              <a:rPr lang="en-US" dirty="0">
-                <a:latin typeface="Dana-FaNum" panose="00000500000000000000" pitchFamily="2" charset="-78"/>
-                <a:cs typeface="Dana-FaNum" panose="00000500000000000000" pitchFamily="2" charset="-78"/>
-              </a:rPr>
-              <a:t>BREAKOUT</a:t>
-            </a:r>
+              <a:t>اتاق های جانبی</a:t>
+            </a:r>
+            <a:endParaRPr lang="en-US" dirty="0">
+              <a:latin typeface="Dana-FaNum" panose="00000500000000000000" pitchFamily="2" charset="-78"/>
+              <a:cs typeface="Dana-FaNum" panose="00000500000000000000" pitchFamily="2" charset="-78"/>
+            </a:endParaRPr>
           </a:p>
         </p:txBody>
       </p:sp>
@@ -4055,7 +4054,7 @@
           </a:ln>
           <a:extLst>
             <a:ext uri="{C572A759-6A51-4108-AA02-DFA0A04FC94B}">
-              <ma14:wrappingTextBoxFlag xmlns:ma14="http://schemas.microsoft.com/office/mac/drawingml/2011/main" xmlns="" val="1"/>
+              <ma14:wrappingTextBoxFlag xmlns="" xmlns:ma14="http://schemas.microsoft.com/office/mac/drawingml/2011/main" val="1"/>
             </a:ext>
           </a:extLst>
         </p:spPr>
@@ -4084,7 +4083,7 @@
                 <a:latin typeface="Dana-FaNum" panose="00000500000000000000" pitchFamily="2" charset="-78"/>
                 <a:cs typeface="Dana-FaNum" panose="00000500000000000000" pitchFamily="2" charset="-78"/>
               </a:rPr>
-              <a:t>کاربران را برای همکاری تیمی وارد اتاق های برک آوت کنید.</a:t>
+              <a:t>اتاق های جانبی برای همکاری و همفکری گروهی کاربران</a:t>
             </a:r>
           </a:p>
         </p:txBody>
@@ -4148,7 +4147,7 @@
           </a:ln>
           <a:extLst>
             <a:ext uri="{C572A759-6A51-4108-AA02-DFA0A04FC94B}">
-              <ma14:wrappingTextBoxFlag xmlns:ma14="http://schemas.microsoft.com/office/mac/drawingml/2011/main" xmlns="" val="1"/>
+              <ma14:wrappingTextBoxFlag xmlns="" xmlns:ma14="http://schemas.microsoft.com/office/mac/drawingml/2011/main" val="1"/>
             </a:ext>
           </a:extLst>
         </p:spPr>
@@ -4193,8 +4192,8 @@
         </p:nvSpPr>
         <p:spPr>
           <a:xfrm>
-            <a:off x="6881556" y="9476960"/>
-            <a:ext cx="3320207" cy="1270001"/>
+            <a:off x="6824406" y="9476960"/>
+            <a:ext cx="3377358" cy="1270001"/>
           </a:xfrm>
           <a:prstGeom prst="rect">
             <a:avLst/>
@@ -4204,7 +4203,7 @@
           </a:ln>
           <a:extLst>
             <a:ext uri="{C572A759-6A51-4108-AA02-DFA0A04FC94B}">
-              <ma14:wrappingTextBoxFlag xmlns:ma14="http://schemas.microsoft.com/office/mac/drawingml/2011/main" xmlns="" val="1"/>
+              <ma14:wrappingTextBoxFlag xmlns="" xmlns:ma14="http://schemas.microsoft.com/office/mac/drawingml/2011/main" val="1"/>
             </a:ext>
           </a:extLst>
         </p:spPr>
@@ -4233,7 +4232,7 @@
                 <a:latin typeface="Dana-FaNum" panose="00000500000000000000" pitchFamily="2" charset="-78"/>
                 <a:cs typeface="Dana-FaNum" panose="00000500000000000000" pitchFamily="2" charset="-78"/>
               </a:rPr>
-              <a:t>کاربران خود را در هر زمان نظرسنجی کنید.</a:t>
+              <a:t>اخذ نظرات حاضرین در جلسه با قابلیت‌های متنوع</a:t>
             </a:r>
             <a:endParaRPr dirty="0">
               <a:latin typeface="Dana-FaNum" panose="00000500000000000000" pitchFamily="2" charset="-78"/>
@@ -4290,8 +4289,8 @@
         </p:nvSpPr>
         <p:spPr>
           <a:xfrm>
-            <a:off x="12191551" y="9007060"/>
-            <a:ext cx="3320207" cy="615553"/>
+            <a:off x="11922375" y="9007060"/>
+            <a:ext cx="3589383" cy="307777"/>
           </a:xfrm>
           <a:prstGeom prst="rect">
             <a:avLst/>
@@ -4301,12 +4300,12 @@
           </a:ln>
           <a:extLst>
             <a:ext uri="{C572A759-6A51-4108-AA02-DFA0A04FC94B}">
-              <ma14:wrappingTextBoxFlag xmlns:ma14="http://schemas.microsoft.com/office/mac/drawingml/2011/main" xmlns="" val="1"/>
+              <ma14:wrappingTextBoxFlag xmlns="" xmlns:ma14="http://schemas.microsoft.com/office/mac/drawingml/2011/main" val="1"/>
             </a:ext>
           </a:extLst>
         </p:spPr>
         <p:txBody>
-          <a:bodyPr lIns="0" tIns="0" rIns="0" bIns="0">
+          <a:bodyPr wrap="square" lIns="0" tIns="0" rIns="0" bIns="0">
             <a:spAutoFit/>
           </a:bodyPr>
           <a:lstStyle>
@@ -4329,7 +4328,21 @@
                 <a:latin typeface="Dana-FaNum" panose="00000500000000000000" pitchFamily="2" charset="-78"/>
                 <a:cs typeface="Dana-FaNum" panose="00000500000000000000" pitchFamily="2" charset="-78"/>
               </a:rPr>
-              <a:t>اشتراک گذاری صفحه دسکتاپ</a:t>
+              <a:t>اشتراک گذاری صفحه</a:t>
+            </a:r>
+            <a:r>
+              <a:rPr lang="en-US" dirty="0">
+                <a:latin typeface="Dana-FaNum" panose="00000500000000000000" pitchFamily="2" charset="-78"/>
+                <a:cs typeface="Dana-FaNum" panose="00000500000000000000" pitchFamily="2" charset="-78"/>
+              </a:rPr>
+              <a:t> </a:t>
+            </a:r>
+            <a:r>
+              <a:rPr lang="fa-IR" dirty="0">
+                <a:latin typeface="Dana-FaNum" panose="00000500000000000000" pitchFamily="2" charset="-78"/>
+                <a:cs typeface="Dana-FaNum" panose="00000500000000000000" pitchFamily="2" charset="-78"/>
+              </a:rPr>
+              <a:t>نمایشگر</a:t>
             </a:r>
             <a:endParaRPr dirty="0">
               <a:latin typeface="Dana-FaNum" panose="00000500000000000000" pitchFamily="2" charset="-78"/>
@@ -4357,7 +4370,7 @@
           </a:ln>
           <a:extLst>
             <a:ext uri="{C572A759-6A51-4108-AA02-DFA0A04FC94B}">
-              <ma14:wrappingTextBoxFlag xmlns:ma14="http://schemas.microsoft.com/office/mac/drawingml/2011/main" xmlns="" val="1"/>
+              <ma14:wrappingTextBoxFlag xmlns="" xmlns:ma14="http://schemas.microsoft.com/office/mac/drawingml/2011/main" val="1"/>
             </a:ext>
           </a:extLst>
         </p:spPr>
@@ -4386,7 +4399,7 @@
                 <a:latin typeface="Dana-FaNum" panose="00000500000000000000" pitchFamily="2" charset="-78"/>
                 <a:cs typeface="Dana-FaNum" panose="00000500000000000000" pitchFamily="2" charset="-78"/>
               </a:rPr>
-              <a:t>صفحه خود را به اشتراک بگذارید</a:t>
+              <a:t>صفحه نمایشگر خود را با دیگران به اشتراک بگذارید</a:t>
             </a:r>
             <a:endParaRPr dirty="0">
               <a:latin typeface="Dana-FaNum" panose="00000500000000000000" pitchFamily="2" charset="-78"/>
@@ -4454,7 +4467,7 @@
           </a:ln>
           <a:extLst>
             <a:ext uri="{C572A759-6A51-4108-AA02-DFA0A04FC94B}">
-              <ma14:wrappingTextBoxFlag xmlns:ma14="http://schemas.microsoft.com/office/mac/drawingml/2011/main" xmlns="" val="1"/>
+              <ma14:wrappingTextBoxFlag xmlns="" xmlns:ma14="http://schemas.microsoft.com/office/mac/drawingml/2011/main" val="1"/>
             </a:ext>
           </a:extLst>
         </p:spPr>
@@ -4510,7 +4523,7 @@
           </a:ln>
           <a:extLst>
             <a:ext uri="{C572A759-6A51-4108-AA02-DFA0A04FC94B}">
-              <ma14:wrappingTextBoxFlag xmlns:ma14="http://schemas.microsoft.com/office/mac/drawingml/2011/main" xmlns="" val="1"/>
+              <ma14:wrappingTextBoxFlag xmlns="" xmlns:ma14="http://schemas.microsoft.com/office/mac/drawingml/2011/main" val="1"/>
             </a:ext>
           </a:extLst>
         </p:spPr>
@@ -4539,7 +4552,7 @@
                 <a:latin typeface="Dana-FaNum" panose="00000500000000000000" pitchFamily="2" charset="-78"/>
                 <a:cs typeface="Dana-FaNum" panose="00000500000000000000" pitchFamily="2" charset="-78"/>
               </a:rPr>
-              <a:t>با هم ترسیم کنید</a:t>
+              <a:t>امکان تدریس با استفاده از تخته با ابزارهای متنوع</a:t>
             </a:r>
           </a:p>
         </p:txBody>
@@ -4592,8 +4605,8 @@
         </p:nvSpPr>
         <p:spPr>
           <a:xfrm>
-            <a:off x="6998590" y="12402591"/>
-            <a:ext cx="10315324" cy="718145"/>
+            <a:off x="6639519" y="12402591"/>
+            <a:ext cx="11033470" cy="718145"/>
           </a:xfrm>
           <a:prstGeom prst="rect">
             <a:avLst/>
@@ -4603,7 +4616,7 @@
           </a:ln>
           <a:extLst>
             <a:ext uri="{C572A759-6A51-4108-AA02-DFA0A04FC94B}">
-              <ma14:wrappingTextBoxFlag xmlns:ma14="http://schemas.microsoft.com/office/mac/drawingml/2011/main" xmlns="" val="1"/>
+              <ma14:wrappingTextBoxFlag xmlns="" xmlns:ma14="http://schemas.microsoft.com/office/mac/drawingml/2011/main" val="1"/>
             </a:ext>
           </a:extLst>
         </p:spPr>
@@ -4613,7 +4626,7 @@
           </a:bodyPr>
           <a:lstStyle/>
           <a:p>
-            <a:pPr>
+            <a:pPr rtl="1">
               <a:defRPr sz="4000" b="0">
                 <a:solidFill>
                   <a:srgbClr val="4E5A66"/>
@@ -4629,15 +4642,14 @@
                 <a:latin typeface="Dana-FaNum" panose="00000500000000000000" pitchFamily="2" charset="-78"/>
                 <a:cs typeface="Dana-FaNum" panose="00000500000000000000" pitchFamily="2" charset="-78"/>
               </a:rPr>
-              <a:t>برای اطلاعات بیشتر به سایت  </a:t>
-            </a:r>
-            <a:r>
-              <a:rPr lang="fa-IR" dirty="0">
+              <a:t>برای اطلاعات بیشتر به سایت </a:t>
+            </a:r>
+            <a:r>
+              <a:rPr lang="en-US" dirty="0">
                 <a:latin typeface="Dana-FaNum" panose="00000500000000000000" pitchFamily="2" charset="-78"/>
                 <a:cs typeface="Dana-FaNum" panose="00000500000000000000" pitchFamily="2" charset="-78"/>
-                <a:hlinkClick r:id="rId2"/>
               </a:rPr>
-              <a:t>لینکپ</a:t>
+              <a:t>LyncAp.ir</a:t>
             </a:r>
             <a:r>
               <a:rPr lang="fa-IR" dirty="0">
@@ -4652,7 +4664,7 @@
               </a:solidFill>
               <a:latin typeface="Dana-FaNum" panose="00000500000000000000" pitchFamily="2" charset="-78"/>
               <a:cs typeface="Dana-FaNum" panose="00000500000000000000" pitchFamily="2" charset="-78"/>
-              <a:hlinkClick r:id="rId3"/>
+              <a:hlinkClick r:id="rId2"/>
             </a:endParaRPr>
           </a:p>
         </p:txBody>
@@ -4666,6 +4678,33 @@
           <p:nvPr/>
         </p:nvPicPr>
         <p:blipFill>
+          <a:blip r:embed="rId3"/>
+          <a:stretch>
+            <a:fillRect/>
+          </a:stretch>
+        </p:blipFill>
+        <p:spPr>
+          <a:xfrm>
+            <a:off x="5741752" y="6835796"/>
+            <a:ext cx="457637" cy="457201"/>
+          </a:xfrm>
+          <a:prstGeom prst="rect">
+            <a:avLst/>
+          </a:prstGeom>
+          <a:ln w="12700">
+            <a:miter lim="400000"/>
+          </a:ln>
+        </p:spPr>
+      </p:pic>
+      <p:pic>
+        <p:nvPicPr>
+          <p:cNvPr id="150" name="Image" descr="Image"/>
+          <p:cNvPicPr>
+            <a:picLocks noChangeAspect="1"/>
+          </p:cNvPicPr>
+          <p:nvPr/>
+        </p:nvPicPr>
+        <p:blipFill>
           <a:blip r:embed="rId4"/>
           <a:stretch>
             <a:fillRect/>
@@ -4673,8 +4712,8 @@
         </p:blipFill>
         <p:spPr>
           <a:xfrm>
-            <a:off x="5741752" y="6835796"/>
-            <a:ext cx="457637" cy="457201"/>
+            <a:off x="10735032" y="6917065"/>
+            <a:ext cx="494386" cy="294663"/>
           </a:xfrm>
           <a:prstGeom prst="rect">
             <a:avLst/>
@@ -4686,7 +4725,7 @@
       </p:pic>
       <p:pic>
         <p:nvPicPr>
-          <p:cNvPr id="150" name="Image" descr="Image"/>
+          <p:cNvPr id="151" name="Image" descr="Image"/>
           <p:cNvPicPr>
             <a:picLocks noChangeAspect="1"/>
           </p:cNvPicPr>
@@ -4700,8 +4739,8 @@
         </p:blipFill>
         <p:spPr>
           <a:xfrm>
-            <a:off x="10735032" y="6917065"/>
-            <a:ext cx="494386" cy="294663"/>
+            <a:off x="16107400" y="6835796"/>
+            <a:ext cx="331321" cy="457201"/>
           </a:xfrm>
           <a:prstGeom prst="rect">
             <a:avLst/>
@@ -4713,7 +4752,7 @@
       </p:pic>
       <p:pic>
         <p:nvPicPr>
-          <p:cNvPr id="151" name="Image" descr="Image"/>
+          <p:cNvPr id="152" name="Image" descr="Image"/>
           <p:cNvPicPr>
             <a:picLocks noChangeAspect="1"/>
           </p:cNvPicPr>
@@ -4727,8 +4766,8 @@
         </p:blipFill>
         <p:spPr>
           <a:xfrm>
-            <a:off x="16107400" y="6835796"/>
-            <a:ext cx="331321" cy="457201"/>
+            <a:off x="21049656" y="6839054"/>
+            <a:ext cx="381001" cy="450686"/>
           </a:xfrm>
           <a:prstGeom prst="rect">
             <a:avLst/>
@@ -4740,7 +4779,7 @@
       </p:pic>
       <p:pic>
         <p:nvPicPr>
-          <p:cNvPr id="152" name="Image" descr="Image"/>
+          <p:cNvPr id="153" name="Image" descr="Image"/>
           <p:cNvPicPr>
             <a:picLocks noChangeAspect="1"/>
           </p:cNvPicPr>
@@ -4754,8 +4793,8 @@
         </p:blipFill>
         <p:spPr>
           <a:xfrm>
-            <a:off x="21049656" y="6839054"/>
-            <a:ext cx="381001" cy="450686"/>
+            <a:off x="21028900" y="9214716"/>
+            <a:ext cx="494386" cy="423761"/>
           </a:xfrm>
           <a:prstGeom prst="rect">
             <a:avLst/>
@@ -4767,7 +4806,7 @@
       </p:pic>
       <p:pic>
         <p:nvPicPr>
-          <p:cNvPr id="153" name="Image" descr="Image"/>
+          <p:cNvPr id="154" name="Image" descr="Image"/>
           <p:cNvPicPr>
             <a:picLocks noChangeAspect="1"/>
           </p:cNvPicPr>
@@ -4781,8 +4820,8 @@
         </p:blipFill>
         <p:spPr>
           <a:xfrm>
-            <a:off x="21028900" y="9214716"/>
-            <a:ext cx="494386" cy="423761"/>
+            <a:off x="10753407" y="9283744"/>
+            <a:ext cx="457636" cy="285705"/>
           </a:xfrm>
           <a:prstGeom prst="rect">
             <a:avLst/>
@@ -4794,7 +4833,7 @@
       </p:pic>
       <p:pic>
         <p:nvPicPr>
-          <p:cNvPr id="154" name="Image" descr="Image"/>
+          <p:cNvPr id="155" name="Image" descr="Image"/>
           <p:cNvPicPr>
             <a:picLocks noChangeAspect="1"/>
           </p:cNvPicPr>
@@ -4808,33 +4847,6 @@
         </p:blipFill>
         <p:spPr>
           <a:xfrm>
-            <a:off x="10753407" y="9283744"/>
-            <a:ext cx="457636" cy="285705"/>
-          </a:xfrm>
-          <a:prstGeom prst="rect">
-            <a:avLst/>
-          </a:prstGeom>
-          <a:ln w="12700">
-            <a:miter lim="400000"/>
-          </a:ln>
-        </p:spPr>
-      </p:pic>
-      <p:pic>
-        <p:nvPicPr>
-          <p:cNvPr id="155" name="Image" descr="Image"/>
-          <p:cNvPicPr>
-            <a:picLocks noChangeAspect="1"/>
-          </p:cNvPicPr>
-          <p:nvPr/>
-        </p:nvPicPr>
-        <p:blipFill>
-          <a:blip r:embed="rId10"/>
-          <a:stretch>
-            <a:fillRect/>
-          </a:stretch>
-        </p:blipFill>
-        <p:spPr>
-          <a:xfrm>
             <a:off x="16036405" y="9214717"/>
             <a:ext cx="473312" cy="423760"/>
           </a:xfrm>
@@ -4855,7 +4867,7 @@
           <p:nvPr/>
         </p:nvPicPr>
         <p:blipFill>
-          <a:blip r:embed="rId11"/>
+          <a:blip r:embed="rId10"/>
           <a:stretch>
             <a:fillRect/>
           </a:stretch>
@@ -4888,21 +4900,20 @@
           <p:nvPr/>
         </p:nvPicPr>
         <p:blipFill>
-          <a:blip r:embed="rId12">
+          <a:blip r:embed="rId11">
             <a:extLst>
               <a:ext uri="{28A0092B-C50C-407E-A947-70E740481C1C}">
                 <a14:useLocalDpi xmlns:a14="http://schemas.microsoft.com/office/drawing/2010/main" val="0"/>
               </a:ext>
             </a:extLst>
           </a:blip>
-          <a:stretch>
-            <a:fillRect/>
-          </a:stretch>
+          <a:srcRect/>
+          <a:stretch/>
         </p:blipFill>
         <p:spPr>
           <a:xfrm>
-            <a:off x="10735032" y="64227"/>
-            <a:ext cx="2546652" cy="2546652"/>
+            <a:off x="9996729" y="567057"/>
+            <a:ext cx="4418844" cy="1577526"/>
           </a:xfrm>
           <a:prstGeom prst="rect">
             <a:avLst/>
@@ -4943,8 +4954,8 @@
         </p:nvSpPr>
         <p:spPr>
           <a:xfrm>
-            <a:off x="6237111" y="12728316"/>
-            <a:ext cx="13095111" cy="564257"/>
+            <a:off x="6237111" y="12854511"/>
+            <a:ext cx="13095111" cy="841256"/>
           </a:xfrm>
           <a:prstGeom prst="rect">
             <a:avLst/>
@@ -4975,24 +4986,31 @@
           </a:bodyPr>
           <a:lstStyle/>
           <a:p>
-            <a:r>
-              <a:rPr lang="fa-IR" dirty="0">
+            <a:pPr rtl="1"/>
+            <a:r>
+              <a:rPr lang="fa-IR" sz="2400" dirty="0">
                 <a:latin typeface="Dana-FaNum DemiBold" panose="00000700000000000000" pitchFamily="2" charset="-78"/>
                 <a:cs typeface="Dana-FaNum DemiBold" panose="00000700000000000000" pitchFamily="2" charset="-78"/>
               </a:rPr>
               <a:t>این یک اسلاید خالی به عنوان وایت‌برد است</a:t>
             </a:r>
-            <a:endParaRPr lang="en-US" dirty="0">
-              <a:latin typeface="Dana-FaNum DemiBold" panose="00000700000000000000" pitchFamily="2" charset="-78"/>
-              <a:cs typeface="Dana-FaNum DemiBold" panose="00000700000000000000" pitchFamily="2" charset="-78"/>
-            </a:endParaRPr>
+          </a:p>
+          <a:p>
+            <a:pPr rtl="1"/>
+            <a:r>
+              <a:rPr lang="en-US" sz="2400" dirty="0">
+                <a:latin typeface="Dana-FaNum DemiBold" panose="00000700000000000000" pitchFamily="2" charset="-78"/>
+                <a:cs typeface="Dana-FaNum DemiBold" panose="00000700000000000000" pitchFamily="2" charset="-78"/>
+              </a:rPr>
+              <a:t>Lyncap.ir</a:t>
+            </a:r>
           </a:p>
         </p:txBody>
       </p:sp>
     </p:spTree>
     <p:extLst>
       <p:ext uri="{BB962C8B-B14F-4D97-AF65-F5344CB8AC3E}">
-        <p14:creationId xmlns:p14="http://schemas.microsoft.com/office/powerpoint/2010/main" val="2227736033"/>
+        <p14:creationId xmlns:p14="http://schemas.microsoft.com/office/powerpoint/2010/main" val="2476088095"/>
       </p:ext>
     </p:extLst>
   </p:cSld>
@@ -5028,8 +5046,8 @@
         </p:nvSpPr>
         <p:spPr>
           <a:xfrm>
-            <a:off x="6237111" y="12728316"/>
-            <a:ext cx="13095111" cy="564257"/>
+            <a:off x="6237111" y="12854511"/>
+            <a:ext cx="13095111" cy="841256"/>
           </a:xfrm>
           <a:prstGeom prst="rect">
             <a:avLst/>
@@ -5060,16 +5078,66 @@
           </a:bodyPr>
           <a:lstStyle/>
           <a:p>
-            <a:r>
-              <a:rPr lang="fa-IR" dirty="0">
+            <a:pPr marL="0" marR="0" indent="0" algn="ctr" defTabSz="825500" rtl="1" fontAlgn="auto" latinLnBrk="0" hangingPunct="0">
+              <a:lnSpc>
+                <a:spcPct val="100000"/>
+              </a:lnSpc>
+              <a:spcBef>
+                <a:spcPts val="0"/>
+              </a:spcBef>
+              <a:spcAft>
+                <a:spcPts val="0"/>
+              </a:spcAft>
+              <a:buClrTx/>
+              <a:buSzTx/>
+              <a:buFontTx/>
+              <a:buNone/>
+              <a:tabLst/>
+            </a:pPr>
+            <a:r>
+              <a:rPr lang="fa-IR" sz="2400" dirty="0">
                 <a:latin typeface="Dana-FaNum DemiBold" panose="00000700000000000000" pitchFamily="2" charset="-78"/>
                 <a:cs typeface="Dana-FaNum DemiBold" panose="00000700000000000000" pitchFamily="2" charset="-78"/>
               </a:rPr>
               <a:t>این یک اسلاید خالی به عنوان وایت‌برد است</a:t>
             </a:r>
-            <a:endParaRPr lang="en-US" dirty="0">
+          </a:p>
+          <a:p>
+            <a:pPr marL="0" marR="0" indent="0" algn="ctr" defTabSz="825500" rtl="1" fontAlgn="auto" latinLnBrk="0" hangingPunct="0">
+              <a:lnSpc>
+                <a:spcPct val="100000"/>
+              </a:lnSpc>
+              <a:spcBef>
+                <a:spcPts val="0"/>
+              </a:spcBef>
+              <a:spcAft>
+                <a:spcPts val="0"/>
+              </a:spcAft>
+              <a:buClrTx/>
+              <a:buSzTx/>
+              <a:buFontTx/>
+              <a:buNone/>
+              <a:tabLst/>
+            </a:pPr>
+            <a:r>
+              <a:rPr lang="en-US" sz="2400" dirty="0">
+                <a:latin typeface="Dana-FaNum DemiBold" panose="00000700000000000000" pitchFamily="2" charset="-78"/>
+                <a:cs typeface="Dana-FaNum DemiBold" panose="00000700000000000000" pitchFamily="2" charset="-78"/>
+              </a:rPr>
+              <a:t>Lyncap.ir</a:t>
+            </a:r>
+            <a:endParaRPr kumimoji="0" lang="en-US" sz="2400" b="1" i="0" u="none" strike="noStrike" cap="none" spc="0" normalizeH="0" baseline="0" dirty="0">
+              <a:ln>
+                <a:noFill/>
+              </a:ln>
+              <a:solidFill>
+                <a:srgbClr val="000000"/>
+              </a:solidFill>
+              <a:effectLst/>
+              <a:uFillTx/>
               <a:latin typeface="Dana-FaNum DemiBold" panose="00000700000000000000" pitchFamily="2" charset="-78"/>
               <a:cs typeface="Dana-FaNum DemiBold" panose="00000700000000000000" pitchFamily="2" charset="-78"/>
+              <a:sym typeface="Helvetica Neue"/>
             </a:endParaRPr>
           </a:p>
         </p:txBody>
@@ -5113,8 +5181,8 @@
         </p:nvSpPr>
         <p:spPr>
           <a:xfrm>
-            <a:off x="6237111" y="12728316"/>
-            <a:ext cx="13095111" cy="564257"/>
+            <a:off x="6237111" y="12854512"/>
+            <a:ext cx="13095111" cy="841256"/>
           </a:xfrm>
           <a:prstGeom prst="rect">
             <a:avLst/>
@@ -5145,17 +5213,24 @@
           </a:bodyPr>
           <a:lstStyle/>
           <a:p>
-            <a:r>
-              <a:rPr lang="fa-IR" dirty="0">
+            <a:pPr rtl="1"/>
+            <a:r>
+              <a:rPr lang="fa-IR" sz="2400" dirty="0">
                 <a:latin typeface="Dana-FaNum DemiBold" panose="00000700000000000000" pitchFamily="2" charset="-78"/>
                 <a:cs typeface="Dana-FaNum DemiBold" panose="00000700000000000000" pitchFamily="2" charset="-78"/>
               </a:rPr>
               <a:t>این یک اسلاید خالی به عنوان وایت‌برد است</a:t>
             </a:r>
-            <a:endParaRPr lang="en-US" dirty="0">
-              <a:latin typeface="Dana-FaNum DemiBold" panose="00000700000000000000" pitchFamily="2" charset="-78"/>
-              <a:cs typeface="Dana-FaNum DemiBold" panose="00000700000000000000" pitchFamily="2" charset="-78"/>
-            </a:endParaRPr>
+          </a:p>
+          <a:p>
+            <a:pPr rtl="1"/>
+            <a:r>
+              <a:rPr lang="en-US" sz="2400" dirty="0">
+                <a:latin typeface="Dana-FaNum DemiBold" panose="00000700000000000000" pitchFamily="2" charset="-78"/>
+                <a:cs typeface="Dana-FaNum DemiBold" panose="00000700000000000000" pitchFamily="2" charset="-78"/>
+              </a:rPr>
+              <a:t>Lyncap.ir</a:t>
+            </a:r>
           </a:p>
         </p:txBody>
       </p:sp>
@@ -5198,8 +5273,8 @@
         </p:nvSpPr>
         <p:spPr>
           <a:xfrm>
-            <a:off x="6237111" y="12728316"/>
-            <a:ext cx="13095111" cy="564257"/>
+            <a:off x="6237111" y="12854511"/>
+            <a:ext cx="13095111" cy="841256"/>
           </a:xfrm>
           <a:prstGeom prst="rect">
             <a:avLst/>
@@ -5230,49 +5305,31 @@
           </a:bodyPr>
           <a:lstStyle/>
           <a:p>
-            <a:pPr marL="0" marR="0" indent="0" algn="ctr" defTabSz="825500" rtl="0" fontAlgn="auto" latinLnBrk="0" hangingPunct="0">
-              <a:lnSpc>
-                <a:spcPct val="100000"/>
-              </a:lnSpc>
-              <a:spcBef>
-                <a:spcPts val="0"/>
-              </a:spcBef>
-              <a:spcAft>
-                <a:spcPts val="0"/>
-              </a:spcAft>
-              <a:buClrTx/>
-              <a:buSzTx/>
-              <a:buFontTx/>
-              <a:buNone/>
-              <a:tabLst/>
-            </a:pPr>
-            <a:r>
-              <a:rPr lang="fa-IR" dirty="0">
+            <a:pPr rtl="1"/>
+            <a:r>
+              <a:rPr lang="fa-IR" sz="2400" dirty="0">
                 <a:latin typeface="Dana-FaNum DemiBold" panose="00000700000000000000" pitchFamily="2" charset="-78"/>
                 <a:cs typeface="Dana-FaNum DemiBold" panose="00000700000000000000" pitchFamily="2" charset="-78"/>
               </a:rPr>
               <a:t>این یک اسلاید خالی به عنوان وایت‌برد است</a:t>
             </a:r>
-            <a:endParaRPr kumimoji="0" lang="en-US" sz="3000" b="1" i="0" u="none" strike="noStrike" cap="none" spc="0" normalizeH="0" baseline="0" dirty="0">
-              <a:ln>
-                <a:noFill/>
-              </a:ln>
-              <a:solidFill>
-                <a:srgbClr val="000000"/>
-              </a:solidFill>
-              <a:effectLst/>
-              <a:uFillTx/>
-              <a:latin typeface="Dana-FaNum DemiBold" panose="00000700000000000000" pitchFamily="2" charset="-78"/>
-              <a:cs typeface="Dana-FaNum DemiBold" panose="00000700000000000000" pitchFamily="2" charset="-78"/>
-              <a:sym typeface="Helvetica Neue"/>
-            </a:endParaRPr>
+          </a:p>
+          <a:p>
+            <a:pPr rtl="1"/>
+            <a:r>
+              <a:rPr lang="en-US" sz="2400" dirty="0">
+                <a:latin typeface="Dana-FaNum DemiBold" panose="00000700000000000000" pitchFamily="2" charset="-78"/>
+                <a:cs typeface="Dana-FaNum DemiBold" panose="00000700000000000000" pitchFamily="2" charset="-78"/>
+              </a:rPr>
+              <a:t>Lyncap.ir</a:t>
+            </a:r>
           </a:p>
         </p:txBody>
       </p:sp>
     </p:spTree>
     <p:extLst>
       <p:ext uri="{BB962C8B-B14F-4D97-AF65-F5344CB8AC3E}">
-        <p14:creationId xmlns:p14="http://schemas.microsoft.com/office/powerpoint/2010/main" val="2476088095"/>
+        <p14:creationId xmlns:p14="http://schemas.microsoft.com/office/powerpoint/2010/main" val="1245251400"/>
       </p:ext>
     </p:extLst>
   </p:cSld>
@@ -5308,8 +5365,8 @@
         </p:nvSpPr>
         <p:spPr>
           <a:xfrm>
-            <a:off x="6237111" y="12728316"/>
-            <a:ext cx="13095111" cy="564257"/>
+            <a:off x="6237111" y="12854511"/>
+            <a:ext cx="13095111" cy="841256"/>
           </a:xfrm>
           <a:prstGeom prst="rect">
             <a:avLst/>
@@ -5340,16 +5397,66 @@
           </a:bodyPr>
           <a:lstStyle/>
           <a:p>
-            <a:r>
-              <a:rPr lang="fa-IR" dirty="0">
+            <a:pPr marL="0" marR="0" indent="0" algn="ctr" defTabSz="825500" rtl="1" fontAlgn="auto" latinLnBrk="0" hangingPunct="0">
+              <a:lnSpc>
+                <a:spcPct val="100000"/>
+              </a:lnSpc>
+              <a:spcBef>
+                <a:spcPts val="0"/>
+              </a:spcBef>
+              <a:spcAft>
+                <a:spcPts val="0"/>
+              </a:spcAft>
+              <a:buClrTx/>
+              <a:buSzTx/>
+              <a:buFontTx/>
+              <a:buNone/>
+              <a:tabLst/>
+            </a:pPr>
+            <a:r>
+              <a:rPr lang="fa-IR" sz="2400" dirty="0">
                 <a:latin typeface="Dana-FaNum DemiBold" panose="00000700000000000000" pitchFamily="2" charset="-78"/>
                 <a:cs typeface="Dana-FaNum DemiBold" panose="00000700000000000000" pitchFamily="2" charset="-78"/>
               </a:rPr>
               <a:t>این یک اسلاید خالی به عنوان وایت‌برد است</a:t>
             </a:r>
-            <a:endParaRPr lang="en-US" dirty="0">
+          </a:p>
+          <a:p>
+            <a:pPr marL="0" marR="0" indent="0" algn="ctr" defTabSz="825500" rtl="1" fontAlgn="auto" latinLnBrk="0" hangingPunct="0">
+              <a:lnSpc>
+                <a:spcPct val="100000"/>
+              </a:lnSpc>
+              <a:spcBef>
+                <a:spcPts val="0"/>
+              </a:spcBef>
+              <a:spcAft>
+                <a:spcPts val="0"/>
+              </a:spcAft>
+              <a:buClrTx/>
+              <a:buSzTx/>
+              <a:buFontTx/>
+              <a:buNone/>
+              <a:tabLst/>
+            </a:pPr>
+            <a:r>
+              <a:rPr lang="en-US" sz="2400" dirty="0">
+                <a:latin typeface="Dana-FaNum DemiBold" panose="00000700000000000000" pitchFamily="2" charset="-78"/>
+                <a:cs typeface="Dana-FaNum DemiBold" panose="00000700000000000000" pitchFamily="2" charset="-78"/>
+              </a:rPr>
+              <a:t>Lyncap.ir</a:t>
+            </a:r>
+            <a:endParaRPr kumimoji="0" lang="en-US" sz="2400" b="1" i="0" u="none" strike="noStrike" cap="none" spc="0" normalizeH="0" baseline="0" dirty="0">
+              <a:ln>
+                <a:noFill/>
+              </a:ln>
+              <a:solidFill>
+                <a:srgbClr val="000000"/>
+              </a:solidFill>
+              <a:effectLst/>
+              <a:uFillTx/>
               <a:latin typeface="Dana-FaNum DemiBold" panose="00000700000000000000" pitchFamily="2" charset="-78"/>
               <a:cs typeface="Dana-FaNum DemiBold" panose="00000700000000000000" pitchFamily="2" charset="-78"/>
+              <a:sym typeface="Helvetica Neue"/>
             </a:endParaRPr>
           </a:p>
         </p:txBody>
@@ -5357,7 +5464,99 @@
     </p:spTree>
     <p:extLst>
       <p:ext uri="{BB962C8B-B14F-4D97-AF65-F5344CB8AC3E}">
-        <p14:creationId xmlns:p14="http://schemas.microsoft.com/office/powerpoint/2010/main" val="2476088095"/>
+        <p14:creationId xmlns:p14="http://schemas.microsoft.com/office/powerpoint/2010/main" val="2742064567"/>
+      </p:ext>
+    </p:extLst>
+  </p:cSld>
+  <p:clrMapOvr>
+    <a:masterClrMapping/>
+  </p:clrMapOvr>
+  <p:transition spd="med"/>
+</p:sld>
+</file>
+
+<file path=ppt/slides/slide7.xml><?xml version="1.0" encoding="utf-8"?>
+<p:sld xmlns:a="http://schemas.openxmlformats.org/drawingml/2006/main" xmlns:r="http://schemas.openxmlformats.org/officeDocument/2006/relationships" xmlns:p="http://schemas.openxmlformats.org/presentationml/2006/main">
+  <p:cSld>
+    <p:spTree>
+      <p:nvGrpSpPr>
+        <p:cNvPr id="1" name=""/>
+        <p:cNvGrpSpPr/>
+        <p:nvPr/>
+      </p:nvGrpSpPr>
+      <p:grpSpPr>
+        <a:xfrm>
+          <a:off x="0" y="0"/>
+          <a:ext cx="0" cy="0"/>
+          <a:chOff x="0" y="0"/>
+          <a:chExt cx="0" cy="0"/>
+        </a:xfrm>
+      </p:grpSpPr>
+      <p:sp>
+        <p:nvSpPr>
+          <p:cNvPr id="6" name="TextBox 5"/>
+          <p:cNvSpPr txBox="1"/>
+          <p:nvPr/>
+        </p:nvSpPr>
+        <p:spPr>
+          <a:xfrm>
+            <a:off x="6237111" y="12854512"/>
+            <a:ext cx="13095111" cy="841256"/>
+          </a:xfrm>
+          <a:prstGeom prst="rect">
+            <a:avLst/>
+          </a:prstGeom>
+          <a:noFill/>
+          <a:ln w="12700" cap="flat">
+            <a:noFill/>
+            <a:miter lim="400000"/>
+          </a:ln>
+          <a:effectLst/>
+          <a:sp3d/>
+        </p:spPr>
+        <p:style>
+          <a:lnRef idx="0">
+            <a:scrgbClr r="0" g="0" b="0"/>
+          </a:lnRef>
+          <a:fillRef idx="0">
+            <a:scrgbClr r="0" g="0" b="0"/>
+          </a:fillRef>
+          <a:effectRef idx="0">
+            <a:scrgbClr r="0" g="0" b="0"/>
+          </a:effectRef>
+          <a:fontRef idx="none"/>
+        </p:style>
+        <p:txBody>
+          <a:bodyPr rot="0" spcFirstLastPara="1" vertOverflow="overflow" horzOverflow="overflow" vert="horz" wrap="square" lIns="50800" tIns="50800" rIns="50800" bIns="50800" numCol="1" spcCol="38100" rtlCol="0" anchor="ctr">
+            <a:spAutoFit/>
+          </a:bodyPr>
+          <a:lstStyle/>
+          <a:p>
+            <a:pPr rtl="1"/>
+            <a:r>
+              <a:rPr lang="fa-IR" sz="2400" dirty="0">
+                <a:latin typeface="Dana-FaNum DemiBold" panose="00000700000000000000" pitchFamily="2" charset="-78"/>
+                <a:cs typeface="Dana-FaNum DemiBold" panose="00000700000000000000" pitchFamily="2" charset="-78"/>
+              </a:rPr>
+              <a:t>این یک اسلاید خالی به عنوان وایت‌برد است</a:t>
+            </a:r>
+          </a:p>
+          <a:p>
+            <a:pPr rtl="1"/>
+            <a:r>
+              <a:rPr lang="en-US" sz="2400" dirty="0">
+                <a:latin typeface="Dana-FaNum DemiBold" panose="00000700000000000000" pitchFamily="2" charset="-78"/>
+                <a:cs typeface="Dana-FaNum DemiBold" panose="00000700000000000000" pitchFamily="2" charset="-78"/>
+              </a:rPr>
+              <a:t>Lyncap.ir</a:t>
+            </a:r>
+          </a:p>
+        </p:txBody>
+      </p:sp>
+    </p:spTree>
+    <p:extLst>
+      <p:ext uri="{BB962C8B-B14F-4D97-AF65-F5344CB8AC3E}">
+        <p14:creationId xmlns:p14="http://schemas.microsoft.com/office/powerpoint/2010/main" val="3650826258"/>
       </p:ext>
     </p:extLst>
   </p:cSld>
